--- a/DDS project2 Sophia.pptx
+++ b/DDS project2 Sophia.pptx
@@ -7268,7 +7268,7 @@
         </p:spPr>
         <p:txBody>
           <a:bodyPr vert="horz" lIns="91440" tIns="45720" rIns="91440" bIns="45720" rtlCol="0">
-            <a:normAutofit/>
+            <a:normAutofit fontScale="92500" lnSpcReduction="10000"/>
           </a:bodyPr>
           <a:lstStyle>
             <a:lvl1pPr marL="0" indent="0" algn="ctr" defTabSz="914400" rtl="0" eaLnBrk="1" latinLnBrk="0" hangingPunct="1">
@@ -7435,9 +7435,10 @@
             </a:lvl9pPr>
           </a:lstStyle>
           <a:p>
+            <a:pPr algn="l"/>
             <a:r>
               <a:rPr lang="en-US" dirty="0"/>
-              <a:t>GitHub Repository:	 https://</a:t>
+              <a:t>GitHub Repository: https://</a:t>
             </a:r>
             <a:r>
               <a:rPr lang="en-US" dirty="0" err="1"/>
@@ -7446,6 +7447,41 @@
             <a:r>
               <a:rPr lang="en-US" dirty="0"/>
               <a:t>/sophiawu1006/DDSProject2</a:t>
+            </a:r>
+          </a:p>
+          <a:p>
+            <a:pPr algn="l"/>
+            <a:r>
+              <a:rPr lang="en-US" dirty="0" err="1"/>
+              <a:t>Youtube</a:t>
+            </a:r>
+            <a:r>
+              <a:rPr lang="en-US" dirty="0"/>
+              <a:t> </a:t>
+            </a:r>
+            <a:r>
+              <a:rPr lang="en-US" dirty="0" err="1"/>
+              <a:t>link:https</a:t>
+            </a:r>
+            <a:r>
+              <a:rPr lang="en-US" dirty="0"/>
+              <a:t>://</a:t>
+            </a:r>
+            <a:r>
+              <a:rPr lang="en-US" dirty="0" err="1"/>
+              <a:t>www.youtube.com</a:t>
+            </a:r>
+            <a:r>
+              <a:rPr lang="en-US" dirty="0"/>
+              <a:t>/</a:t>
+            </a:r>
+            <a:r>
+              <a:rPr lang="en-US" dirty="0" err="1"/>
+              <a:t>watch?v</a:t>
+            </a:r>
+            <a:r>
+              <a:rPr lang="en-US" dirty="0"/>
+              <a:t>=zjtrIXy60ko</a:t>
             </a:r>
           </a:p>
           <a:p>
@@ -9407,6 +9443,14 @@
   <p:clrMapOvr>
     <a:masterClrMapping/>
   </p:clrMapOvr>
+  <mc:AlternateContent xmlns:mc="http://schemas.openxmlformats.org/markup-compatibility/2006">
+    <mc:Choice xmlns:p14="http://schemas.microsoft.com/office/powerpoint/2010/main" Requires="p14">
+      <p:transition spd="slow" p14:dur="2000" advTm="3635"/>
+    </mc:Choice>
+    <mc:Fallback>
+      <p:transition spd="slow" advTm="3635"/>
+    </mc:Fallback>
+  </mc:AlternateContent>
 </p:sld>
 </file>
 
